--- a/docs/apresentacao.pptx
+++ b/docs/apresentacao.pptx
@@ -5401,7 +5401,7 @@
           </a:ln>
           <a:extLst>
             <a:ext uri="{C572A759-6A51-4108-AA02-DFA0A04FC94B}">
-              <ma14:wrappingTextBoxFlag xmlns:ma14="http://schemas.microsoft.com/office/mac/drawingml/2011/main" xmlns="" val="1"/>
+              <ma14:wrappingTextBoxFlag xmlns="" xmlns:ma14="http://schemas.microsoft.com/office/mac/drawingml/2011/main" val="1"/>
             </a:ext>
           </a:extLst>
         </p:spPr>
@@ -5440,7 +5440,7 @@
           </a:ln>
           <a:extLst>
             <a:ext uri="{C572A759-6A51-4108-AA02-DFA0A04FC94B}">
-              <ma14:wrappingTextBoxFlag xmlns:ma14="http://schemas.microsoft.com/office/mac/drawingml/2011/main" xmlns="" val="1"/>
+              <ma14:wrappingTextBoxFlag xmlns="" xmlns:ma14="http://schemas.microsoft.com/office/mac/drawingml/2011/main" val="1"/>
             </a:ext>
           </a:extLst>
         </p:spPr>
@@ -6328,7 +6328,7 @@
           </a:ln>
           <a:extLst>
             <a:ext uri="{C572A759-6A51-4108-AA02-DFA0A04FC94B}">
-              <ma14:wrappingTextBoxFlag xmlns:ma14="http://schemas.microsoft.com/office/mac/drawingml/2011/main" xmlns="" val="1"/>
+              <ma14:wrappingTextBoxFlag xmlns="" xmlns:ma14="http://schemas.microsoft.com/office/mac/drawingml/2011/main" val="1"/>
             </a:ext>
           </a:extLst>
         </p:spPr>
@@ -6427,7 +6427,7 @@
           </a:ln>
           <a:extLst>
             <a:ext uri="{C572A759-6A51-4108-AA02-DFA0A04FC94B}">
-              <ma14:wrappingTextBoxFlag xmlns:ma14="http://schemas.microsoft.com/office/mac/drawingml/2011/main" xmlns="" val="1"/>
+              <ma14:wrappingTextBoxFlag xmlns="" xmlns:ma14="http://schemas.microsoft.com/office/mac/drawingml/2011/main" val="1"/>
             </a:ext>
           </a:extLst>
         </p:spPr>
@@ -6972,7 +6972,7 @@
           </a:ln>
           <a:extLst>
             <a:ext uri="{C572A759-6A51-4108-AA02-DFA0A04FC94B}">
-              <ma14:wrappingTextBoxFlag xmlns:ma14="http://schemas.microsoft.com/office/mac/drawingml/2011/main" xmlns="" val="1"/>
+              <ma14:wrappingTextBoxFlag xmlns="" xmlns:ma14="http://schemas.microsoft.com/office/mac/drawingml/2011/main" val="1"/>
             </a:ext>
           </a:extLst>
         </p:spPr>
@@ -7154,7 +7154,7 @@
           </a:ln>
           <a:extLst>
             <a:ext uri="{C572A759-6A51-4108-AA02-DFA0A04FC94B}">
-              <ma14:wrappingTextBoxFlag xmlns:ma14="http://schemas.microsoft.com/office/mac/drawingml/2011/main" xmlns="" val="1"/>
+              <ma14:wrappingTextBoxFlag xmlns="" xmlns:ma14="http://schemas.microsoft.com/office/mac/drawingml/2011/main" val="1"/>
             </a:ext>
           </a:extLst>
         </p:spPr>
@@ -7821,7 +7821,7 @@
           </a:ln>
           <a:extLst>
             <a:ext uri="{C572A759-6A51-4108-AA02-DFA0A04FC94B}">
-              <ma14:wrappingTextBoxFlag xmlns:ma14="http://schemas.microsoft.com/office/mac/drawingml/2011/main" xmlns="" val="1"/>
+              <ma14:wrappingTextBoxFlag xmlns="" xmlns:ma14="http://schemas.microsoft.com/office/mac/drawingml/2011/main" val="1"/>
             </a:ext>
           </a:extLst>
         </p:spPr>
@@ -9211,7 +9211,7 @@
         </p:nvSpPr>
         <p:spPr>
           <a:xfrm>
-            <a:off x="2089007" y="3691884"/>
+            <a:off x="2045700" y="4305007"/>
             <a:ext cx="20205986" cy="2827184"/>
           </a:xfrm>
           <a:prstGeom prst="rect">
@@ -9222,7 +9222,7 @@
           </a:ln>
           <a:extLst>
             <a:ext uri="{C572A759-6A51-4108-AA02-DFA0A04FC94B}">
-              <ma14:wrappingTextBoxFlag xmlns:ma14="http://schemas.microsoft.com/office/mac/drawingml/2011/main" xmlns="" val="1"/>
+              <ma14:wrappingTextBoxFlag xmlns="" xmlns:ma14="http://schemas.microsoft.com/office/mac/drawingml/2011/main" val="1"/>
             </a:ext>
           </a:extLst>
         </p:spPr>
@@ -9489,6 +9489,125 @@
               <a:rPr lang="pt-BR" sz="3600" b="0" dirty="0"/>
               <a:t>)</a:t>
             </a:r>
+          </a:p>
+        </p:txBody>
+      </p:sp>
+      <p:sp>
+        <p:nvSpPr>
+          <p:cNvPr id="7" name="CaixaDeTexto 6">
+            <a:extLst>
+              <a:ext uri="{FF2B5EF4-FFF2-40B4-BE49-F238E27FC236}">
+                <a16:creationId xmlns:a16="http://schemas.microsoft.com/office/drawing/2014/main" id="{9FC9161A-FF5C-40C4-88DB-719D39E5BFC3}"/>
+              </a:ext>
+            </a:extLst>
+          </p:cNvPr>
+          <p:cNvSpPr txBox="1"/>
+          <p:nvPr/>
+        </p:nvSpPr>
+        <p:spPr>
+          <a:xfrm>
+            <a:off x="2045700" y="1482650"/>
+            <a:ext cx="7140762" cy="1949252"/>
+          </a:xfrm>
+          <a:prstGeom prst="rect">
+            <a:avLst/>
+          </a:prstGeom>
+          <a:noFill/>
+          <a:ln w="12700" cap="flat">
+            <a:noFill/>
+            <a:miter lim="400000"/>
+          </a:ln>
+          <a:effectLst/>
+          <a:sp3d/>
+        </p:spPr>
+        <p:style>
+          <a:lnRef idx="0">
+            <a:scrgbClr r="0" g="0" b="0"/>
+          </a:lnRef>
+          <a:fillRef idx="0">
+            <a:scrgbClr r="0" g="0" b="0"/>
+          </a:fillRef>
+          <a:effectRef idx="0">
+            <a:scrgbClr r="0" g="0" b="0"/>
+          </a:effectRef>
+          <a:fontRef idx="none"/>
+        </p:style>
+        <p:txBody>
+          <a:bodyPr rot="0" spcFirstLastPara="1" vertOverflow="overflow" horzOverflow="overflow" vert="horz" wrap="square" lIns="50800" tIns="50800" rIns="50800" bIns="50800" numCol="1" spcCol="38100" rtlCol="0" anchor="t">
+            <a:spAutoFit/>
+          </a:bodyPr>
+          <a:lstStyle/>
+          <a:p>
+            <a:pPr marL="0" marR="0" indent="0" algn="l" defTabSz="825500" rtl="0" fontAlgn="auto" latinLnBrk="0" hangingPunct="0">
+              <a:lnSpc>
+                <a:spcPct val="100000"/>
+              </a:lnSpc>
+              <a:spcBef>
+                <a:spcPts val="0"/>
+              </a:spcBef>
+              <a:spcAft>
+                <a:spcPts val="0"/>
+              </a:spcAft>
+              <a:buClrTx/>
+              <a:buSzTx/>
+              <a:buFontTx/>
+              <a:buNone/>
+              <a:tabLst/>
+            </a:pPr>
+            <a:r>
+              <a:rPr lang="pt-BR" sz="12000" dirty="0" err="1">
+                <a:latin typeface="Arial" panose="020B0604020202020204" pitchFamily="34" charset="0"/>
+                <a:cs typeface="Arial" panose="020B0604020202020204" pitchFamily="34" charset="0"/>
+              </a:rPr>
+              <a:t>X</a:t>
+            </a:r>
+            <a:r>
+              <a:rPr lang="pt-BR" sz="12000" dirty="0" err="1">
+                <a:solidFill>
+                  <a:srgbClr val="FFC000"/>
+                </a:solidFill>
+                <a:latin typeface="Arial" panose="020B0604020202020204" pitchFamily="34" charset="0"/>
+                <a:cs typeface="Arial" panose="020B0604020202020204" pitchFamily="34" charset="0"/>
+              </a:rPr>
+              <a:t>cale</a:t>
+            </a:r>
+            <a:r>
+              <a:rPr lang="pt-BR" sz="12000" dirty="0">
+                <a:latin typeface="Arial" panose="020B0604020202020204" pitchFamily="34" charset="0"/>
+                <a:cs typeface="Arial" panose="020B0604020202020204" pitchFamily="34" charset="0"/>
+              </a:rPr>
+              <a:t> </a:t>
+            </a:r>
+            <a:r>
+              <a:rPr lang="pt-BR" sz="12000" dirty="0" err="1">
+                <a:solidFill>
+                  <a:srgbClr val="FFC000"/>
+                </a:solidFill>
+                <a:latin typeface="Arial" panose="020B0604020202020204" pitchFamily="34" charset="0"/>
+                <a:cs typeface="Arial" panose="020B0604020202020204" pitchFamily="34" charset="0"/>
+              </a:rPr>
+              <a:t>u</a:t>
+            </a:r>
+            <a:r>
+              <a:rPr lang="pt-BR" sz="12000" dirty="0" err="1">
+                <a:latin typeface="Arial" panose="020B0604020202020204" pitchFamily="34" charset="0"/>
+                <a:cs typeface="Arial" panose="020B0604020202020204" pitchFamily="34" charset="0"/>
+              </a:rPr>
+              <a:t>P</a:t>
+            </a:r>
+            <a:endParaRPr kumimoji="0" lang="pt-BR" sz="12000" b="1" i="0" u="none" strike="noStrike" cap="none" spc="0" normalizeH="0" baseline="0" dirty="0">
+              <a:ln>
+                <a:noFill/>
+              </a:ln>
+              <a:solidFill>
+                <a:srgbClr val="000000"/>
+              </a:solidFill>
+              <a:effectLst/>
+              <a:uFillTx/>
+              <a:latin typeface="Arial" panose="020B0604020202020204" pitchFamily="34" charset="0"/>
+              <a:cs typeface="Arial" panose="020B0604020202020204" pitchFamily="34" charset="0"/>
+              <a:sym typeface="Helvetica Neue"/>
+            </a:endParaRPr>
           </a:p>
         </p:txBody>
       </p:sp>
@@ -11779,7 +11898,7 @@
           </a:ln>
           <a:extLst>
             <a:ext uri="{C572A759-6A51-4108-AA02-DFA0A04FC94B}">
-              <ma14:wrappingTextBoxFlag xmlns:ma14="http://schemas.microsoft.com/office/mac/drawingml/2011/main" xmlns="" val="1"/>
+              <ma14:wrappingTextBoxFlag xmlns="" xmlns:ma14="http://schemas.microsoft.com/office/mac/drawingml/2011/main" val="1"/>
             </a:ext>
           </a:extLst>
         </p:spPr>
@@ -11861,7 +11980,7 @@
           </a:ln>
           <a:extLst>
             <a:ext uri="{C572A759-6A51-4108-AA02-DFA0A04FC94B}">
-              <ma14:wrappingTextBoxFlag xmlns:ma14="http://schemas.microsoft.com/office/mac/drawingml/2011/main" xmlns="" val="1"/>
+              <ma14:wrappingTextBoxFlag xmlns="" xmlns:ma14="http://schemas.microsoft.com/office/mac/drawingml/2011/main" val="1"/>
             </a:ext>
           </a:extLst>
         </p:spPr>

--- a/docs/apresentacao.pptx
+++ b/docs/apresentacao.pptx
@@ -5,7 +5,7 @@
     <p:sldMasterId id="2147483648" r:id="rId1"/>
   </p:sldMasterIdLst>
   <p:notesMasterIdLst>
-    <p:notesMasterId r:id="rId11"/>
+    <p:notesMasterId r:id="rId12"/>
   </p:notesMasterIdLst>
   <p:sldIdLst>
     <p:sldId id="256" r:id="rId2"/>
@@ -16,7 +16,8 @@
     <p:sldId id="316" r:id="rId7"/>
     <p:sldId id="317" r:id="rId8"/>
     <p:sldId id="318" r:id="rId9"/>
-    <p:sldId id="309" r:id="rId10"/>
+    <p:sldId id="319" r:id="rId10"/>
+    <p:sldId id="309" r:id="rId11"/>
   </p:sldIdLst>
   <p:sldSz cx="24384000" cy="13716000"/>
   <p:notesSz cx="6858000" cy="9144000"/>
@@ -6467,6 +6468,169 @@
 </p:sld>
 </file>
 
+<file path=ppt/slides/slide10.xml><?xml version="1.0" encoding="utf-8"?>
+<p:sld xmlns:a="http://schemas.openxmlformats.org/drawingml/2006/main" xmlns:r="http://schemas.openxmlformats.org/officeDocument/2006/relationships" xmlns:p="http://schemas.openxmlformats.org/presentationml/2006/main">
+  <p:cSld>
+    <p:spTree>
+      <p:nvGrpSpPr>
+        <p:cNvPr id="1" name=""/>
+        <p:cNvGrpSpPr/>
+        <p:nvPr/>
+      </p:nvGrpSpPr>
+      <p:grpSpPr>
+        <a:xfrm>
+          <a:off x="0" y="0"/>
+          <a:ext cx="0" cy="0"/>
+          <a:chOff x="0" y="0"/>
+          <a:chExt cx="0" cy="0"/>
+        </a:xfrm>
+      </p:grpSpPr>
+      <p:sp>
+        <p:nvSpPr>
+          <p:cNvPr id="120" name="Brazil's Leading Fintech"/>
+          <p:cNvSpPr txBox="1"/>
+          <p:nvPr/>
+        </p:nvSpPr>
+        <p:spPr>
+          <a:xfrm>
+            <a:off x="1984772" y="5223795"/>
+            <a:ext cx="7284045" cy="1579920"/>
+          </a:xfrm>
+          <a:prstGeom prst="rect">
+            <a:avLst/>
+          </a:prstGeom>
+          <a:ln w="12700">
+            <a:miter lim="400000"/>
+          </a:ln>
+          <a:extLst>
+            <a:ext uri="{C572A759-6A51-4108-AA02-DFA0A04FC94B}">
+              <ma14:wrappingTextBoxFlag xmlns="" xmlns:ma14="http://schemas.microsoft.com/office/mac/drawingml/2011/main" val="1"/>
+            </a:ext>
+          </a:extLst>
+        </p:spPr>
+        <p:txBody>
+          <a:bodyPr wrap="none" lIns="50800" tIns="50800" rIns="50800" bIns="50800" anchor="t">
+            <a:spAutoFit/>
+          </a:bodyPr>
+          <a:lstStyle/>
+          <a:p>
+            <a:pPr algn="l"/>
+            <a:r>
+              <a:rPr lang="pt-BR" sz="9600" dirty="0">
+                <a:latin typeface="Arial" panose="020B0604020202020204" pitchFamily="34" charset="0"/>
+                <a:cs typeface="Arial" panose="020B0604020202020204" pitchFamily="34" charset="0"/>
+              </a:rPr>
+              <a:t>OBRIGADO!</a:t>
+            </a:r>
+            <a:endParaRPr sz="3600" b="0" dirty="0">
+              <a:latin typeface="Arial" panose="020B0604020202020204" pitchFamily="34" charset="0"/>
+              <a:cs typeface="Arial" panose="020B0604020202020204" pitchFamily="34" charset="0"/>
+            </a:endParaRPr>
+          </a:p>
+        </p:txBody>
+      </p:sp>
+      <p:pic>
+        <p:nvPicPr>
+          <p:cNvPr id="6" name="logo_INC_01.png" descr="logo_INC_01.png">
+            <a:extLst>
+              <a:ext uri="{FF2B5EF4-FFF2-40B4-BE49-F238E27FC236}">
+                <a16:creationId xmlns:a16="http://schemas.microsoft.com/office/drawing/2014/main" id="{4C467431-94B1-3447-897A-20701B58F583}"/>
+              </a:ext>
+            </a:extLst>
+          </p:cNvPr>
+          <p:cNvPicPr>
+            <a:picLocks noChangeAspect="1"/>
+          </p:cNvPicPr>
+          <p:nvPr/>
+        </p:nvPicPr>
+        <p:blipFill rotWithShape="1">
+          <a:blip r:embed="rId2"/>
+          <a:srcRect l="24137" t="32396" r="21251" b="29276"/>
+          <a:stretch/>
+        </p:blipFill>
+        <p:spPr>
+          <a:xfrm>
+            <a:off x="1984772" y="9966705"/>
+            <a:ext cx="3548502" cy="894080"/>
+          </a:xfrm>
+          <a:prstGeom prst="rect">
+            <a:avLst/>
+          </a:prstGeom>
+          <a:ln w="12700">
+            <a:miter lim="400000"/>
+          </a:ln>
+        </p:spPr>
+      </p:pic>
+      <p:sp>
+        <p:nvSpPr>
+          <p:cNvPr id="8" name="Brazil's Leading Fintech">
+            <a:extLst>
+              <a:ext uri="{FF2B5EF4-FFF2-40B4-BE49-F238E27FC236}">
+                <a16:creationId xmlns:a16="http://schemas.microsoft.com/office/drawing/2014/main" id="{A9B5EE92-6EDD-F743-95B9-9C5A738E4F41}"/>
+              </a:ext>
+            </a:extLst>
+          </p:cNvPr>
+          <p:cNvSpPr txBox="1"/>
+          <p:nvPr/>
+        </p:nvSpPr>
+        <p:spPr>
+          <a:xfrm>
+            <a:off x="21366076" y="592159"/>
+            <a:ext cx="1885131" cy="471924"/>
+          </a:xfrm>
+          <a:prstGeom prst="rect">
+            <a:avLst/>
+          </a:prstGeom>
+          <a:ln w="12700">
+            <a:miter lim="400000"/>
+          </a:ln>
+          <a:extLst>
+            <a:ext uri="{C572A759-6A51-4108-AA02-DFA0A04FC94B}">
+              <ma14:wrappingTextBoxFlag xmlns="" xmlns:ma14="http://schemas.microsoft.com/office/mac/drawingml/2011/main" val="1"/>
+            </a:ext>
+          </a:extLst>
+        </p:spPr>
+        <p:txBody>
+          <a:bodyPr wrap="none" lIns="50800" tIns="50800" rIns="50800" bIns="50800" anchor="t">
+            <a:spAutoFit/>
+          </a:bodyPr>
+          <a:lstStyle/>
+          <a:p>
+            <a:pPr algn="l"/>
+            <a:r>
+              <a:rPr lang="pt-BR" sz="2400" b="0" dirty="0">
+                <a:solidFill>
+                  <a:schemeClr val="bg1"/>
+                </a:solidFill>
+                <a:latin typeface="Arial" panose="020B0604020202020204" pitchFamily="34" charset="0"/>
+                <a:cs typeface="Arial" panose="020B0604020202020204" pitchFamily="34" charset="0"/>
+              </a:rPr>
+              <a:t>Janeiro 2021</a:t>
+            </a:r>
+            <a:endParaRPr sz="2400" b="0" dirty="0">
+              <a:solidFill>
+                <a:schemeClr val="bg1"/>
+              </a:solidFill>
+              <a:latin typeface="Arial" panose="020B0604020202020204" pitchFamily="34" charset="0"/>
+              <a:cs typeface="Arial" panose="020B0604020202020204" pitchFamily="34" charset="0"/>
+            </a:endParaRPr>
+          </a:p>
+        </p:txBody>
+      </p:sp>
+    </p:spTree>
+    <p:extLst>
+      <p:ext uri="{BB962C8B-B14F-4D97-AF65-F5344CB8AC3E}">
+        <p14:creationId xmlns:p14="http://schemas.microsoft.com/office/powerpoint/2010/main" val="3157702435"/>
+      </p:ext>
+    </p:extLst>
+  </p:cSld>
+  <p:clrMapOvr>
+    <a:masterClrMapping/>
+  </p:clrMapOvr>
+  <p:transition spd="med"/>
+</p:sld>
+</file>
+
 <file path=ppt/slides/slide2.xml><?xml version="1.0" encoding="utf-8"?>
 <p:sld xmlns:a="http://schemas.openxmlformats.org/drawingml/2006/main" xmlns:r="http://schemas.openxmlformats.org/officeDocument/2006/relationships" xmlns:p="http://schemas.openxmlformats.org/presentationml/2006/main">
   <p:cSld>
@@ -8034,8 +8198,8 @@
         </p:blipFill>
         <p:spPr>
           <a:xfrm>
-            <a:off x="3009223" y="2528545"/>
-            <a:ext cx="20066000" cy="9105900"/>
+            <a:off x="371530" y="1846451"/>
+            <a:ext cx="23356895" cy="10599300"/>
           </a:xfrm>
           <a:prstGeom prst="rect">
             <a:avLst/>
@@ -8056,8 +8220,8 @@
         </p:nvSpPr>
         <p:spPr>
           <a:xfrm>
-            <a:off x="12335435" y="5553635"/>
-            <a:ext cx="4948518" cy="2608729"/>
+            <a:off x="11027876" y="4026877"/>
+            <a:ext cx="12984594" cy="7842672"/>
           </a:xfrm>
           <a:prstGeom prst="rect">
             <a:avLst/>
@@ -8121,98 +8285,6 @@
               <a:ea typeface="+mn-ea"/>
               <a:cs typeface="+mn-cs"/>
               <a:sym typeface="Helvetica Neue Medium"/>
-            </a:endParaRPr>
-          </a:p>
-        </p:txBody>
-      </p:sp>
-      <p:sp>
-        <p:nvSpPr>
-          <p:cNvPr id="69" name="CaixaDeTexto 68">
-            <a:extLst>
-              <a:ext uri="{FF2B5EF4-FFF2-40B4-BE49-F238E27FC236}">
-                <a16:creationId xmlns:a16="http://schemas.microsoft.com/office/drawing/2014/main" id="{6F7A1FB6-B442-B040-9CE9-5C5B23B5C002}"/>
-              </a:ext>
-            </a:extLst>
-          </p:cNvPr>
-          <p:cNvSpPr txBox="1"/>
-          <p:nvPr/>
-        </p:nvSpPr>
-        <p:spPr>
-          <a:xfrm>
-            <a:off x="2035889" y="1066750"/>
-            <a:ext cx="6343083" cy="779701"/>
-          </a:xfrm>
-          <a:prstGeom prst="rect">
-            <a:avLst/>
-          </a:prstGeom>
-          <a:noFill/>
-          <a:ln w="12700" cap="flat">
-            <a:noFill/>
-            <a:miter lim="400000"/>
-          </a:ln>
-          <a:effectLst/>
-          <a:sp3d/>
-        </p:spPr>
-        <p:style>
-          <a:lnRef idx="0">
-            <a:scrgbClr r="0" g="0" b="0"/>
-          </a:lnRef>
-          <a:fillRef idx="0">
-            <a:scrgbClr r="0" g="0" b="0"/>
-          </a:fillRef>
-          <a:effectRef idx="0">
-            <a:scrgbClr r="0" g="0" b="0"/>
-          </a:effectRef>
-          <a:fontRef idx="none"/>
-        </p:style>
-        <p:txBody>
-          <a:bodyPr rot="0" spcFirstLastPara="1" vertOverflow="overflow" horzOverflow="overflow" vert="horz" wrap="none" lIns="50800" tIns="50800" rIns="50800" bIns="50800" numCol="1" spcCol="38100" rtlCol="0" anchor="t">
-            <a:spAutoFit/>
-          </a:bodyPr>
-          <a:lstStyle/>
-          <a:p>
-            <a:pPr marL="0" marR="0" indent="0" algn="l" defTabSz="825500" rtl="0" fontAlgn="auto" latinLnBrk="0" hangingPunct="0">
-              <a:lnSpc>
-                <a:spcPct val="100000"/>
-              </a:lnSpc>
-              <a:spcBef>
-                <a:spcPts val="0"/>
-              </a:spcBef>
-              <a:spcAft>
-                <a:spcPts val="0"/>
-              </a:spcAft>
-              <a:buClrTx/>
-              <a:buSzTx/>
-              <a:buFontTx/>
-              <a:buNone/>
-              <a:tabLst/>
-            </a:pPr>
-            <a:r>
-              <a:rPr lang="pt-BR" sz="4400" dirty="0" err="1">
-                <a:latin typeface="Arial" panose="020B0604020202020204" pitchFamily="34" charset="0"/>
-                <a:cs typeface="Arial" panose="020B0604020202020204" pitchFamily="34" charset="0"/>
-              </a:rPr>
-              <a:t>Sub-fluxo</a:t>
-            </a:r>
-            <a:r>
-              <a:rPr lang="pt-BR" sz="4400" dirty="0">
-                <a:latin typeface="Arial" panose="020B0604020202020204" pitchFamily="34" charset="0"/>
-                <a:cs typeface="Arial" panose="020B0604020202020204" pitchFamily="34" charset="0"/>
-              </a:rPr>
-              <a:t> acionamento</a:t>
-            </a:r>
-            <a:endParaRPr kumimoji="0" lang="pt-BR" sz="4400" b="1" i="0" u="none" strike="noStrike" cap="none" spc="0" normalizeH="0" baseline="0" dirty="0">
-              <a:ln>
-                <a:noFill/>
-              </a:ln>
-              <a:solidFill>
-                <a:srgbClr val="000000"/>
-              </a:solidFill>
-              <a:effectLst/>
-              <a:uFillTx/>
-              <a:latin typeface="Arial" panose="020B0604020202020204" pitchFamily="34" charset="0"/>
-              <a:cs typeface="Arial" panose="020B0604020202020204" pitchFamily="34" charset="0"/>
-              <a:sym typeface="Helvetica Neue"/>
             </a:endParaRPr>
           </a:p>
         </p:txBody>
@@ -8613,7 +8685,7 @@
         </p:nvSpPr>
         <p:spPr>
           <a:xfrm>
-            <a:off x="11027876" y="8290461"/>
+            <a:off x="11027876" y="10347861"/>
             <a:ext cx="5259874" cy="1333698"/>
           </a:xfrm>
           <a:prstGeom prst="rect">
@@ -8662,12 +8734,12 @@
               <a:tabLst/>
             </a:pPr>
             <a:r>
-              <a:rPr kumimoji="0" lang="pt-BR" sz="2000" b="0" i="0" u="none" strike="noStrike" cap="none" spc="0" normalizeH="0" baseline="0" dirty="0">
-                <a:ln>
-                  <a:noFill/>
-                </a:ln>
-                <a:solidFill>
-                  <a:srgbClr val="000000"/>
+              <a:rPr kumimoji="0" lang="pt-BR" sz="2000" i="0" u="none" strike="noStrike" cap="none" spc="0" normalizeH="0" baseline="0" dirty="0">
+                <a:ln>
+                  <a:noFill/>
+                </a:ln>
+                <a:solidFill>
+                  <a:srgbClr val="FF0000"/>
                 </a:solidFill>
                 <a:effectLst/>
                 <a:uFillTx/>
@@ -8681,19 +8753,31 @@
           </a:p>
           <a:p>
             <a:r>
-              <a:rPr lang="pt-BR" sz="2000" b="0" dirty="0"/>
+              <a:rPr lang="pt-BR" sz="2000" dirty="0">
+                <a:solidFill>
+                  <a:srgbClr val="FF0000"/>
+                </a:solidFill>
+              </a:rPr>
               <a:t>Incidentes tipo P2 em média 36 minutos</a:t>
             </a:r>
           </a:p>
           <a:p>
             <a:r>
-              <a:rPr lang="pt-BR" sz="2000" b="0" dirty="0"/>
+              <a:rPr lang="pt-BR" sz="2000" dirty="0">
+                <a:solidFill>
+                  <a:srgbClr val="FF0000"/>
+                </a:solidFill>
+              </a:rPr>
               <a:t>Incidentes tipo P3 em média 39 minutos</a:t>
             </a:r>
           </a:p>
           <a:p>
             <a:r>
-              <a:rPr lang="pt-BR" sz="2000" b="0" dirty="0"/>
+              <a:rPr lang="pt-BR" sz="2000" dirty="0">
+                <a:solidFill>
+                  <a:srgbClr val="FF0000"/>
+                </a:solidFill>
+              </a:rPr>
               <a:t>Incidentes tipo P4 em média 3:20 horas</a:t>
             </a:r>
           </a:p>
@@ -10671,7 +10755,7 @@
         </p:blipFill>
         <p:spPr>
           <a:xfrm>
-            <a:off x="1494023" y="2489454"/>
+            <a:off x="1652284" y="2898789"/>
             <a:ext cx="9940894" cy="7399613"/>
           </a:xfrm>
           <a:prstGeom prst="rect">
@@ -11349,6 +11433,125 @@
               <a:latin typeface="Helvetica Neue"/>
               <a:ea typeface="Helvetica Neue"/>
               <a:cs typeface="Helvetica Neue"/>
+              <a:sym typeface="Helvetica Neue"/>
+            </a:endParaRPr>
+          </a:p>
+        </p:txBody>
+      </p:sp>
+      <p:sp>
+        <p:nvSpPr>
+          <p:cNvPr id="8" name="CaixaDeTexto 7">
+            <a:extLst>
+              <a:ext uri="{FF2B5EF4-FFF2-40B4-BE49-F238E27FC236}">
+                <a16:creationId xmlns:a16="http://schemas.microsoft.com/office/drawing/2014/main" id="{21576A52-775F-4158-9371-3D2A1E927FBA}"/>
+              </a:ext>
+            </a:extLst>
+          </p:cNvPr>
+          <p:cNvSpPr txBox="1"/>
+          <p:nvPr/>
+        </p:nvSpPr>
+        <p:spPr>
+          <a:xfrm>
+            <a:off x="1652283" y="1846451"/>
+            <a:ext cx="9940893" cy="1025922"/>
+          </a:xfrm>
+          <a:prstGeom prst="rect">
+            <a:avLst/>
+          </a:prstGeom>
+          <a:noFill/>
+          <a:ln w="12700" cap="flat">
+            <a:noFill/>
+            <a:miter lim="400000"/>
+          </a:ln>
+          <a:effectLst/>
+          <a:sp3d/>
+        </p:spPr>
+        <p:style>
+          <a:lnRef idx="0">
+            <a:scrgbClr r="0" g="0" b="0"/>
+          </a:lnRef>
+          <a:fillRef idx="0">
+            <a:scrgbClr r="0" g="0" b="0"/>
+          </a:fillRef>
+          <a:effectRef idx="0">
+            <a:scrgbClr r="0" g="0" b="0"/>
+          </a:effectRef>
+          <a:fontRef idx="none"/>
+        </p:style>
+        <p:txBody>
+          <a:bodyPr rot="0" spcFirstLastPara="1" vertOverflow="overflow" horzOverflow="overflow" vert="horz" wrap="square" lIns="50800" tIns="50800" rIns="50800" bIns="50800" numCol="1" spcCol="38100" rtlCol="0" anchor="t">
+            <a:spAutoFit/>
+          </a:bodyPr>
+          <a:lstStyle/>
+          <a:p>
+            <a:pPr marL="0" marR="0" indent="0" defTabSz="825500" rtl="0" fontAlgn="auto" latinLnBrk="0" hangingPunct="0">
+              <a:lnSpc>
+                <a:spcPct val="100000"/>
+              </a:lnSpc>
+              <a:spcBef>
+                <a:spcPts val="0"/>
+              </a:spcBef>
+              <a:spcAft>
+                <a:spcPts val="0"/>
+              </a:spcAft>
+              <a:buClrTx/>
+              <a:buSzTx/>
+              <a:buFontTx/>
+              <a:buNone/>
+              <a:tabLst/>
+            </a:pPr>
+            <a:r>
+              <a:rPr lang="pt-BR" sz="6000" dirty="0" err="1">
+                <a:latin typeface="Arial" panose="020B0604020202020204" pitchFamily="34" charset="0"/>
+                <a:cs typeface="Arial" panose="020B0604020202020204" pitchFamily="34" charset="0"/>
+              </a:rPr>
+              <a:t>X</a:t>
+            </a:r>
+            <a:r>
+              <a:rPr lang="pt-BR" sz="6000" dirty="0" err="1">
+                <a:solidFill>
+                  <a:srgbClr val="FFC000"/>
+                </a:solidFill>
+                <a:latin typeface="Arial" panose="020B0604020202020204" pitchFamily="34" charset="0"/>
+                <a:cs typeface="Arial" panose="020B0604020202020204" pitchFamily="34" charset="0"/>
+              </a:rPr>
+              <a:t>cale</a:t>
+            </a:r>
+            <a:r>
+              <a:rPr lang="pt-BR" sz="6000" dirty="0">
+                <a:latin typeface="Arial" panose="020B0604020202020204" pitchFamily="34" charset="0"/>
+                <a:cs typeface="Arial" panose="020B0604020202020204" pitchFamily="34" charset="0"/>
+              </a:rPr>
+              <a:t> </a:t>
+            </a:r>
+            <a:r>
+              <a:rPr lang="pt-BR" sz="6000" dirty="0" err="1">
+                <a:solidFill>
+                  <a:srgbClr val="FFC000"/>
+                </a:solidFill>
+                <a:latin typeface="Arial" panose="020B0604020202020204" pitchFamily="34" charset="0"/>
+                <a:cs typeface="Arial" panose="020B0604020202020204" pitchFamily="34" charset="0"/>
+              </a:rPr>
+              <a:t>u</a:t>
+            </a:r>
+            <a:r>
+              <a:rPr lang="pt-BR" sz="6000" dirty="0" err="1">
+                <a:latin typeface="Arial" panose="020B0604020202020204" pitchFamily="34" charset="0"/>
+                <a:cs typeface="Arial" panose="020B0604020202020204" pitchFamily="34" charset="0"/>
+              </a:rPr>
+              <a:t>P</a:t>
+            </a:r>
+            <a:endParaRPr kumimoji="0" lang="pt-BR" sz="6000" b="1" i="0" u="none" strike="noStrike" cap="none" spc="0" normalizeH="0" baseline="0" dirty="0">
+              <a:ln>
+                <a:noFill/>
+              </a:ln>
+              <a:solidFill>
+                <a:srgbClr val="000000"/>
+              </a:solidFill>
+              <a:effectLst/>
+              <a:uFillTx/>
+              <a:latin typeface="Arial" panose="020B0604020202020204" pitchFamily="34" charset="0"/>
+              <a:cs typeface="Arial" panose="020B0604020202020204" pitchFamily="34" charset="0"/>
               <a:sym typeface="Helvetica Neue"/>
             </a:endParaRPr>
           </a:p>
@@ -11881,14 +12084,22 @@
       </p:grpSpPr>
       <p:sp>
         <p:nvSpPr>
-          <p:cNvPr id="120" name="Brazil's Leading Fintech"/>
-          <p:cNvSpPr txBox="1"/>
+          <p:cNvPr id="6" name="Número do Slide">
+            <a:extLst>
+              <a:ext uri="{FF2B5EF4-FFF2-40B4-BE49-F238E27FC236}">
+                <a16:creationId xmlns:a16="http://schemas.microsoft.com/office/drawing/2014/main" id="{3B5EE511-C3BA-3245-8122-8DC667D54629}"/>
+              </a:ext>
+            </a:extLst>
+          </p:cNvPr>
+          <p:cNvSpPr txBox="1">
+            <a:spLocks/>
+          </p:cNvSpPr>
           <p:nvPr/>
         </p:nvSpPr>
         <p:spPr>
           <a:xfrm>
-            <a:off x="1984772" y="5223795"/>
-            <a:ext cx="7284045" cy="1579920"/>
+            <a:off x="23728426" y="13096240"/>
+            <a:ext cx="216406" cy="348813"/>
           </a:xfrm>
           <a:prstGeom prst="rect">
             <a:avLst/>
@@ -11896,27 +12107,325 @@
           <a:ln w="12700">
             <a:miter lim="400000"/>
           </a:ln>
-          <a:extLst>
-            <a:ext uri="{C572A759-6A51-4108-AA02-DFA0A04FC94B}">
-              <ma14:wrappingTextBoxFlag xmlns="" xmlns:ma14="http://schemas.microsoft.com/office/mac/drawingml/2011/main" val="1"/>
-            </a:ext>
-          </a:extLst>
         </p:spPr>
         <p:txBody>
-          <a:bodyPr wrap="none" lIns="50800" tIns="50800" rIns="50800" bIns="50800" anchor="t">
+          <a:bodyPr wrap="none" lIns="50800" tIns="50800" rIns="50800" bIns="50800">
             <a:spAutoFit/>
           </a:bodyPr>
-          <a:lstStyle/>
+          <a:lstStyle>
+            <a:defPPr marL="0" marR="0" indent="0" algn="l" defTabSz="914400" rtl="0" fontAlgn="auto" latinLnBrk="1" hangingPunct="0">
+              <a:lnSpc>
+                <a:spcPct val="100000"/>
+              </a:lnSpc>
+              <a:spcBef>
+                <a:spcPts val="0"/>
+              </a:spcBef>
+              <a:spcAft>
+                <a:spcPts val="0"/>
+              </a:spcAft>
+              <a:buClrTx/>
+              <a:buSzTx/>
+              <a:buFontTx/>
+              <a:buNone/>
+              <a:tabLst/>
+              <a:defRPr kumimoji="0" sz="1800" b="0" i="0" u="none" strike="noStrike" cap="none" spc="0" normalizeH="0" baseline="0">
+                <a:ln>
+                  <a:noFill/>
+                </a:ln>
+                <a:solidFill>
+                  <a:srgbClr val="000000"/>
+                </a:solidFill>
+                <a:effectLst/>
+                <a:uFillTx/>
+              </a:defRPr>
+            </a:defPPr>
+            <a:lvl1pPr marL="0" marR="0" indent="0" algn="ctr" defTabSz="825500" rtl="0" fontAlgn="auto" latinLnBrk="0" hangingPunct="0">
+              <a:lnSpc>
+                <a:spcPct val="100000"/>
+              </a:lnSpc>
+              <a:spcBef>
+                <a:spcPts val="0"/>
+              </a:spcBef>
+              <a:spcAft>
+                <a:spcPts val="0"/>
+              </a:spcAft>
+              <a:buClrTx/>
+              <a:buSzTx/>
+              <a:buFontTx/>
+              <a:buNone/>
+              <a:tabLst/>
+              <a:defRPr kumimoji="0" sz="2400" b="0" i="0" u="none" strike="noStrike" cap="none" spc="0" normalizeH="0" baseline="0">
+                <a:ln>
+                  <a:noFill/>
+                </a:ln>
+                <a:solidFill>
+                  <a:srgbClr val="000000"/>
+                </a:solidFill>
+                <a:effectLst/>
+                <a:uFillTx/>
+                <a:latin typeface="Helvetica Neue Light"/>
+                <a:ea typeface="Helvetica Neue Light"/>
+                <a:cs typeface="Helvetica Neue Light"/>
+                <a:sym typeface="Helvetica Neue Light"/>
+              </a:defRPr>
+            </a:lvl1pPr>
+            <a:lvl2pPr marL="0" marR="0" indent="228600" algn="ctr" defTabSz="825500" rtl="0" fontAlgn="auto" latinLnBrk="0" hangingPunct="0">
+              <a:lnSpc>
+                <a:spcPct val="100000"/>
+              </a:lnSpc>
+              <a:spcBef>
+                <a:spcPts val="0"/>
+              </a:spcBef>
+              <a:spcAft>
+                <a:spcPts val="0"/>
+              </a:spcAft>
+              <a:buClrTx/>
+              <a:buSzTx/>
+              <a:buFontTx/>
+              <a:buNone/>
+              <a:tabLst/>
+              <a:defRPr kumimoji="0" sz="3000" b="1" i="0" u="none" strike="noStrike" cap="none" spc="0" normalizeH="0" baseline="0">
+                <a:ln>
+                  <a:noFill/>
+                </a:ln>
+                <a:solidFill>
+                  <a:srgbClr val="000000"/>
+                </a:solidFill>
+                <a:effectLst/>
+                <a:uFillTx/>
+                <a:latin typeface="Helvetica Neue"/>
+                <a:ea typeface="Helvetica Neue"/>
+                <a:cs typeface="Helvetica Neue"/>
+                <a:sym typeface="Helvetica Neue"/>
+              </a:defRPr>
+            </a:lvl2pPr>
+            <a:lvl3pPr marL="0" marR="0" indent="457200" algn="ctr" defTabSz="825500" rtl="0" fontAlgn="auto" latinLnBrk="0" hangingPunct="0">
+              <a:lnSpc>
+                <a:spcPct val="100000"/>
+              </a:lnSpc>
+              <a:spcBef>
+                <a:spcPts val="0"/>
+              </a:spcBef>
+              <a:spcAft>
+                <a:spcPts val="0"/>
+              </a:spcAft>
+              <a:buClrTx/>
+              <a:buSzTx/>
+              <a:buFontTx/>
+              <a:buNone/>
+              <a:tabLst/>
+              <a:defRPr kumimoji="0" sz="3000" b="1" i="0" u="none" strike="noStrike" cap="none" spc="0" normalizeH="0" baseline="0">
+                <a:ln>
+                  <a:noFill/>
+                </a:ln>
+                <a:solidFill>
+                  <a:srgbClr val="000000"/>
+                </a:solidFill>
+                <a:effectLst/>
+                <a:uFillTx/>
+                <a:latin typeface="Helvetica Neue"/>
+                <a:ea typeface="Helvetica Neue"/>
+                <a:cs typeface="Helvetica Neue"/>
+                <a:sym typeface="Helvetica Neue"/>
+              </a:defRPr>
+            </a:lvl3pPr>
+            <a:lvl4pPr marL="0" marR="0" indent="685800" algn="ctr" defTabSz="825500" rtl="0" fontAlgn="auto" latinLnBrk="0" hangingPunct="0">
+              <a:lnSpc>
+                <a:spcPct val="100000"/>
+              </a:lnSpc>
+              <a:spcBef>
+                <a:spcPts val="0"/>
+              </a:spcBef>
+              <a:spcAft>
+                <a:spcPts val="0"/>
+              </a:spcAft>
+              <a:buClrTx/>
+              <a:buSzTx/>
+              <a:buFontTx/>
+              <a:buNone/>
+              <a:tabLst/>
+              <a:defRPr kumimoji="0" sz="3000" b="1" i="0" u="none" strike="noStrike" cap="none" spc="0" normalizeH="0" baseline="0">
+                <a:ln>
+                  <a:noFill/>
+                </a:ln>
+                <a:solidFill>
+                  <a:srgbClr val="000000"/>
+                </a:solidFill>
+                <a:effectLst/>
+                <a:uFillTx/>
+                <a:latin typeface="Helvetica Neue"/>
+                <a:ea typeface="Helvetica Neue"/>
+                <a:cs typeface="Helvetica Neue"/>
+                <a:sym typeface="Helvetica Neue"/>
+              </a:defRPr>
+            </a:lvl4pPr>
+            <a:lvl5pPr marL="0" marR="0" indent="914400" algn="ctr" defTabSz="825500" rtl="0" fontAlgn="auto" latinLnBrk="0" hangingPunct="0">
+              <a:lnSpc>
+                <a:spcPct val="100000"/>
+              </a:lnSpc>
+              <a:spcBef>
+                <a:spcPts val="0"/>
+              </a:spcBef>
+              <a:spcAft>
+                <a:spcPts val="0"/>
+              </a:spcAft>
+              <a:buClrTx/>
+              <a:buSzTx/>
+              <a:buFontTx/>
+              <a:buNone/>
+              <a:tabLst/>
+              <a:defRPr kumimoji="0" sz="3000" b="1" i="0" u="none" strike="noStrike" cap="none" spc="0" normalizeH="0" baseline="0">
+                <a:ln>
+                  <a:noFill/>
+                </a:ln>
+                <a:solidFill>
+                  <a:srgbClr val="000000"/>
+                </a:solidFill>
+                <a:effectLst/>
+                <a:uFillTx/>
+                <a:latin typeface="Helvetica Neue"/>
+                <a:ea typeface="Helvetica Neue"/>
+                <a:cs typeface="Helvetica Neue"/>
+                <a:sym typeface="Helvetica Neue"/>
+              </a:defRPr>
+            </a:lvl5pPr>
+            <a:lvl6pPr marL="0" marR="0" indent="1143000" algn="ctr" defTabSz="825500" rtl="0" fontAlgn="auto" latinLnBrk="0" hangingPunct="0">
+              <a:lnSpc>
+                <a:spcPct val="100000"/>
+              </a:lnSpc>
+              <a:spcBef>
+                <a:spcPts val="0"/>
+              </a:spcBef>
+              <a:spcAft>
+                <a:spcPts val="0"/>
+              </a:spcAft>
+              <a:buClrTx/>
+              <a:buSzTx/>
+              <a:buFontTx/>
+              <a:buNone/>
+              <a:tabLst/>
+              <a:defRPr kumimoji="0" sz="3000" b="1" i="0" u="none" strike="noStrike" cap="none" spc="0" normalizeH="0" baseline="0">
+                <a:ln>
+                  <a:noFill/>
+                </a:ln>
+                <a:solidFill>
+                  <a:srgbClr val="000000"/>
+                </a:solidFill>
+                <a:effectLst/>
+                <a:uFillTx/>
+                <a:latin typeface="Helvetica Neue"/>
+                <a:ea typeface="Helvetica Neue"/>
+                <a:cs typeface="Helvetica Neue"/>
+                <a:sym typeface="Helvetica Neue"/>
+              </a:defRPr>
+            </a:lvl6pPr>
+            <a:lvl7pPr marL="0" marR="0" indent="1371600" algn="ctr" defTabSz="825500" rtl="0" fontAlgn="auto" latinLnBrk="0" hangingPunct="0">
+              <a:lnSpc>
+                <a:spcPct val="100000"/>
+              </a:lnSpc>
+              <a:spcBef>
+                <a:spcPts val="0"/>
+              </a:spcBef>
+              <a:spcAft>
+                <a:spcPts val="0"/>
+              </a:spcAft>
+              <a:buClrTx/>
+              <a:buSzTx/>
+              <a:buFontTx/>
+              <a:buNone/>
+              <a:tabLst/>
+              <a:defRPr kumimoji="0" sz="3000" b="1" i="0" u="none" strike="noStrike" cap="none" spc="0" normalizeH="0" baseline="0">
+                <a:ln>
+                  <a:noFill/>
+                </a:ln>
+                <a:solidFill>
+                  <a:srgbClr val="000000"/>
+                </a:solidFill>
+                <a:effectLst/>
+                <a:uFillTx/>
+                <a:latin typeface="Helvetica Neue"/>
+                <a:ea typeface="Helvetica Neue"/>
+                <a:cs typeface="Helvetica Neue"/>
+                <a:sym typeface="Helvetica Neue"/>
+              </a:defRPr>
+            </a:lvl7pPr>
+            <a:lvl8pPr marL="0" marR="0" indent="1600200" algn="ctr" defTabSz="825500" rtl="0" fontAlgn="auto" latinLnBrk="0" hangingPunct="0">
+              <a:lnSpc>
+                <a:spcPct val="100000"/>
+              </a:lnSpc>
+              <a:spcBef>
+                <a:spcPts val="0"/>
+              </a:spcBef>
+              <a:spcAft>
+                <a:spcPts val="0"/>
+              </a:spcAft>
+              <a:buClrTx/>
+              <a:buSzTx/>
+              <a:buFontTx/>
+              <a:buNone/>
+              <a:tabLst/>
+              <a:defRPr kumimoji="0" sz="3000" b="1" i="0" u="none" strike="noStrike" cap="none" spc="0" normalizeH="0" baseline="0">
+                <a:ln>
+                  <a:noFill/>
+                </a:ln>
+                <a:solidFill>
+                  <a:srgbClr val="000000"/>
+                </a:solidFill>
+                <a:effectLst/>
+                <a:uFillTx/>
+                <a:latin typeface="Helvetica Neue"/>
+                <a:ea typeface="Helvetica Neue"/>
+                <a:cs typeface="Helvetica Neue"/>
+                <a:sym typeface="Helvetica Neue"/>
+              </a:defRPr>
+            </a:lvl8pPr>
+            <a:lvl9pPr marL="0" marR="0" indent="1828800" algn="ctr" defTabSz="825500" rtl="0" fontAlgn="auto" latinLnBrk="0" hangingPunct="0">
+              <a:lnSpc>
+                <a:spcPct val="100000"/>
+              </a:lnSpc>
+              <a:spcBef>
+                <a:spcPts val="0"/>
+              </a:spcBef>
+              <a:spcAft>
+                <a:spcPts val="0"/>
+              </a:spcAft>
+              <a:buClrTx/>
+              <a:buSzTx/>
+              <a:buFontTx/>
+              <a:buNone/>
+              <a:tabLst/>
+              <a:defRPr kumimoji="0" sz="3000" b="1" i="0" u="none" strike="noStrike" cap="none" spc="0" normalizeH="0" baseline="0">
+                <a:ln>
+                  <a:noFill/>
+                </a:ln>
+                <a:solidFill>
+                  <a:srgbClr val="000000"/>
+                </a:solidFill>
+                <a:effectLst/>
+                <a:uFillTx/>
+                <a:latin typeface="Helvetica Neue"/>
+                <a:ea typeface="Helvetica Neue"/>
+                <a:cs typeface="Helvetica Neue"/>
+                <a:sym typeface="Helvetica Neue"/>
+              </a:defRPr>
+            </a:lvl9pPr>
+          </a:lstStyle>
           <a:p>
-            <a:pPr algn="l"/>
-            <a:r>
-              <a:rPr lang="pt-BR" sz="9600" dirty="0">
+            <a:fld id="{86CB4B4D-7CA3-9044-876B-883B54F8677D}" type="slidenum">
+              <a:rPr lang="pt-BR" sz="1600" smtClean="0">
+                <a:solidFill>
+                  <a:schemeClr val="tx1"/>
+                </a:solidFill>
                 <a:latin typeface="Arial" panose="020B0604020202020204" pitchFamily="34" charset="0"/>
                 <a:cs typeface="Arial" panose="020B0604020202020204" pitchFamily="34" charset="0"/>
               </a:rPr>
-              <a:t>OBRIGADO!</a:t>
-            </a:r>
-            <a:endParaRPr sz="3600" b="0" dirty="0">
+              <a:pPr/>
+              <a:t>9</a:t>
+            </a:fld>
+            <a:endParaRPr lang="pt-BR" sz="1600" dirty="0">
+              <a:solidFill>
+                <a:schemeClr val="tx1"/>
+              </a:solidFill>
               <a:latin typeface="Arial" panose="020B0604020202020204" pitchFamily="34" charset="0"/>
               <a:cs typeface="Arial" panose="020B0604020202020204" pitchFamily="34" charset="0"/>
             </a:endParaRPr>
@@ -11925,10 +12434,10 @@
       </p:sp>
       <p:pic>
         <p:nvPicPr>
-          <p:cNvPr id="6" name="logo_INC_01.png" descr="logo_INC_01.png">
+          <p:cNvPr id="12" name="logo_INC_01.png" descr="logo_INC_01.png">
             <a:extLst>
               <a:ext uri="{FF2B5EF4-FFF2-40B4-BE49-F238E27FC236}">
-                <a16:creationId xmlns:a16="http://schemas.microsoft.com/office/drawing/2014/main" id="{4C467431-94B1-3447-897A-20701B58F583}"/>
+                <a16:creationId xmlns:a16="http://schemas.microsoft.com/office/drawing/2014/main" id="{13FBB6B5-6346-D643-9343-EA2E334C3039}"/>
               </a:ext>
             </a:extLst>
           </p:cNvPr>
@@ -11944,8 +12453,8 @@
         </p:blipFill>
         <p:spPr>
           <a:xfrm>
-            <a:off x="1984772" y="9966705"/>
-            <a:ext cx="3548502" cy="894080"/>
+            <a:off x="22251686" y="651753"/>
+            <a:ext cx="1647074" cy="414997"/>
           </a:xfrm>
           <a:prstGeom prst="rect">
             <a:avLst/>
@@ -11955,66 +12464,70 @@
           </a:ln>
         </p:spPr>
       </p:pic>
-      <p:sp>
-        <p:nvSpPr>
-          <p:cNvPr id="8" name="Brazil's Leading Fintech">
+      <p:pic>
+        <p:nvPicPr>
+          <p:cNvPr id="1026" name="Imagem 1">
             <a:extLst>
               <a:ext uri="{FF2B5EF4-FFF2-40B4-BE49-F238E27FC236}">
-                <a16:creationId xmlns:a16="http://schemas.microsoft.com/office/drawing/2014/main" id="{A9B5EE92-6EDD-F743-95B9-9C5A738E4F41}"/>
+                <a16:creationId xmlns:a16="http://schemas.microsoft.com/office/drawing/2014/main" id="{FBD44535-5AF4-4453-B41C-583E9468D546}"/>
               </a:ext>
             </a:extLst>
           </p:cNvPr>
-          <p:cNvSpPr txBox="1"/>
+          <p:cNvPicPr>
+            <a:picLocks noChangeAspect="1" noChangeArrowheads="1"/>
+          </p:cNvPicPr>
           <p:nvPr/>
-        </p:nvSpPr>
-        <p:spPr>
+        </p:nvPicPr>
+        <p:blipFill>
+          <a:blip r:embed="rId3">
+            <a:extLst>
+              <a:ext uri="{28A0092B-C50C-407E-A947-70E740481C1C}">
+                <a14:useLocalDpi xmlns:a14="http://schemas.microsoft.com/office/drawing/2010/main" val="0"/>
+              </a:ext>
+            </a:extLst>
+          </a:blip>
+          <a:srcRect/>
+          <a:stretch>
+            <a:fillRect/>
+          </a:stretch>
+        </p:blipFill>
+        <p:spPr bwMode="auto">
           <a:xfrm>
-            <a:off x="21366076" y="592159"/>
-            <a:ext cx="1885131" cy="471924"/>
+            <a:off x="71786" y="211162"/>
+            <a:ext cx="24240427" cy="13059484"/>
           </a:xfrm>
           <a:prstGeom prst="rect">
             <a:avLst/>
           </a:prstGeom>
-          <a:ln w="12700">
-            <a:miter lim="400000"/>
+          <a:noFill/>
+          <a:ln>
+            <a:noFill/>
           </a:ln>
           <a:extLst>
-            <a:ext uri="{C572A759-6A51-4108-AA02-DFA0A04FC94B}">
-              <ma14:wrappingTextBoxFlag xmlns="" xmlns:ma14="http://schemas.microsoft.com/office/mac/drawingml/2011/main" val="1"/>
+            <a:ext uri="{909E8E84-426E-40DD-AFC4-6F175D3DCCD1}">
+              <a14:hiddenFill xmlns:a14="http://schemas.microsoft.com/office/drawing/2010/main">
+                <a:solidFill>
+                  <a:srgbClr val="FFFFFF"/>
+                </a:solidFill>
+              </a14:hiddenFill>
+            </a:ext>
+            <a:ext uri="{91240B29-F687-4F45-9708-019B960494DF}">
+              <a14:hiddenLine xmlns:a14="http://schemas.microsoft.com/office/drawing/2010/main" w="9525">
+                <a:solidFill>
+                  <a:srgbClr val="000000"/>
+                </a:solidFill>
+                <a:miter lim="800000"/>
+                <a:headEnd/>
+                <a:tailEnd/>
+              </a14:hiddenLine>
             </a:ext>
           </a:extLst>
         </p:spPr>
-        <p:txBody>
-          <a:bodyPr wrap="none" lIns="50800" tIns="50800" rIns="50800" bIns="50800" anchor="t">
-            <a:spAutoFit/>
-          </a:bodyPr>
-          <a:lstStyle/>
-          <a:p>
-            <a:pPr algn="l"/>
-            <a:r>
-              <a:rPr lang="pt-BR" sz="2400" b="0" dirty="0">
-                <a:solidFill>
-                  <a:schemeClr val="bg1"/>
-                </a:solidFill>
-                <a:latin typeface="Arial" panose="020B0604020202020204" pitchFamily="34" charset="0"/>
-                <a:cs typeface="Arial" panose="020B0604020202020204" pitchFamily="34" charset="0"/>
-              </a:rPr>
-              <a:t>Janeiro 2021</a:t>
-            </a:r>
-            <a:endParaRPr sz="2400" b="0" dirty="0">
-              <a:solidFill>
-                <a:schemeClr val="bg1"/>
-              </a:solidFill>
-              <a:latin typeface="Arial" panose="020B0604020202020204" pitchFamily="34" charset="0"/>
-              <a:cs typeface="Arial" panose="020B0604020202020204" pitchFamily="34" charset="0"/>
-            </a:endParaRPr>
-          </a:p>
-        </p:txBody>
-      </p:sp>
+      </p:pic>
     </p:spTree>
     <p:extLst>
       <p:ext uri="{BB962C8B-B14F-4D97-AF65-F5344CB8AC3E}">
-        <p14:creationId xmlns:p14="http://schemas.microsoft.com/office/powerpoint/2010/main" val="3157702435"/>
+        <p14:creationId xmlns:p14="http://schemas.microsoft.com/office/powerpoint/2010/main" val="977242748"/>
       </p:ext>
     </p:extLst>
   </p:cSld>
